--- a/summary-KotfisLiOuyang.pptx
+++ b/summary-KotfisLiOuyang.pptx
@@ -105,6 +105,22 @@
       </a:defRPr>
     </a:lvl9pPr>
   </p:defaultTextStyle>
+  <p:extLst>
+    <p:ext uri="{EFAFB233-063F-42B5-8137-9DF3F51BA10A}">
+      <p15:sldGuideLst xmlns:p15="http://schemas.microsoft.com/office/powerpoint/2012/main">
+        <p15:guide id="1" orient="horz" pos="2160">
+          <p15:clr>
+            <a:srgbClr val="A4A3A4"/>
+          </p15:clr>
+        </p15:guide>
+        <p15:guide id="2" pos="2880">
+          <p15:clr>
+            <a:srgbClr val="A4A3A4"/>
+          </p15:clr>
+        </p15:guide>
+      </p15:sldGuideLst>
+    </p:ext>
+  </p:extLst>
 </p:presentation>
 </file>
 
@@ -300,7 +316,7 @@
           <a:p>
             <a:fld id="{7A15F09E-F5A1-4C46-985B-DF4DB70D2BD0}" type="datetimeFigureOut">
               <a:rPr lang="en-US" smtClean="0"/>
-              <a:t>12/6/2014</a:t>
+              <a:t>12/8/14</a:t>
             </a:fld>
             <a:endParaRPr lang="en-US"/>
           </a:p>
@@ -465,7 +481,7 @@
           <a:p>
             <a:fld id="{7A15F09E-F5A1-4C46-985B-DF4DB70D2BD0}" type="datetimeFigureOut">
               <a:rPr lang="en-US" smtClean="0"/>
-              <a:t>12/6/2014</a:t>
+              <a:t>12/8/14</a:t>
             </a:fld>
             <a:endParaRPr lang="en-US"/>
           </a:p>
@@ -640,7 +656,7 @@
           <a:p>
             <a:fld id="{7A15F09E-F5A1-4C46-985B-DF4DB70D2BD0}" type="datetimeFigureOut">
               <a:rPr lang="en-US" smtClean="0"/>
-              <a:t>12/6/2014</a:t>
+              <a:t>12/8/14</a:t>
             </a:fld>
             <a:endParaRPr lang="en-US"/>
           </a:p>
@@ -823,7 +839,7 @@
           <a:p>
             <a:fld id="{7A15F09E-F5A1-4C46-985B-DF4DB70D2BD0}" type="datetimeFigureOut">
               <a:rPr lang="en-US" smtClean="0"/>
-              <a:t>12/6/2014</a:t>
+              <a:t>12/8/14</a:t>
             </a:fld>
             <a:endParaRPr lang="en-US"/>
           </a:p>
@@ -1085,7 +1101,7 @@
           <a:p>
             <a:fld id="{7A15F09E-F5A1-4C46-985B-DF4DB70D2BD0}" type="datetimeFigureOut">
               <a:rPr lang="en-US" smtClean="0"/>
-              <a:t>12/6/2014</a:t>
+              <a:t>12/8/14</a:t>
             </a:fld>
             <a:endParaRPr lang="en-US"/>
           </a:p>
@@ -1433,7 +1449,7 @@
           <a:p>
             <a:fld id="{7A15F09E-F5A1-4C46-985B-DF4DB70D2BD0}" type="datetimeFigureOut">
               <a:rPr lang="en-US" smtClean="0"/>
-              <a:t>12/6/2014</a:t>
+              <a:t>12/8/14</a:t>
             </a:fld>
             <a:endParaRPr lang="en-US"/>
           </a:p>
@@ -1741,7 +1757,7 @@
           <a:p>
             <a:fld id="{7A15F09E-F5A1-4C46-985B-DF4DB70D2BD0}" type="datetimeFigureOut">
               <a:rPr lang="en-US" smtClean="0"/>
-              <a:t>12/6/2014</a:t>
+              <a:t>12/8/14</a:t>
             </a:fld>
             <a:endParaRPr lang="en-US"/>
           </a:p>
@@ -1968,7 +1984,7 @@
           <a:p>
             <a:fld id="{7A15F09E-F5A1-4C46-985B-DF4DB70D2BD0}" type="datetimeFigureOut">
               <a:rPr lang="en-US" smtClean="0"/>
-              <a:t>12/6/2014</a:t>
+              <a:t>12/8/14</a:t>
             </a:fld>
             <a:endParaRPr lang="en-US"/>
           </a:p>
@@ -2058,7 +2074,7 @@
           <a:p>
             <a:fld id="{7A15F09E-F5A1-4C46-985B-DF4DB70D2BD0}" type="datetimeFigureOut">
               <a:rPr lang="en-US" smtClean="0"/>
-              <a:t>12/6/2014</a:t>
+              <a:t>12/8/14</a:t>
             </a:fld>
             <a:endParaRPr lang="en-US"/>
           </a:p>
@@ -2346,7 +2362,7 @@
           <a:p>
             <a:fld id="{7A15F09E-F5A1-4C46-985B-DF4DB70D2BD0}" type="datetimeFigureOut">
               <a:rPr lang="en-US" smtClean="0"/>
-              <a:t>12/6/2014</a:t>
+              <a:t>12/8/14</a:t>
             </a:fld>
             <a:endParaRPr lang="en-US"/>
           </a:p>
@@ -2615,7 +2631,7 @@
           <a:p>
             <a:fld id="{7A15F09E-F5A1-4C46-985B-DF4DB70D2BD0}" type="datetimeFigureOut">
               <a:rPr lang="en-US" smtClean="0"/>
-              <a:t>12/6/2014</a:t>
+              <a:t>12/8/14</a:t>
             </a:fld>
             <a:endParaRPr lang="en-US"/>
           </a:p>
@@ -2825,7 +2841,7 @@
           <a:p>
             <a:fld id="{7A15F09E-F5A1-4C46-985B-DF4DB70D2BD0}" type="datetimeFigureOut">
               <a:rPr lang="en-US" smtClean="0"/>
-              <a:t>12/6/2014</a:t>
+              <a:t>12/8/14</a:t>
             </a:fld>
             <a:endParaRPr lang="en-US"/>
           </a:p>
@@ -3327,8 +3343,40 @@
 </file>
 
 <file path=ppt/slides/slide1.xml><?xml version="1.0" encoding="utf-8"?>
-<p:sld xmlns:a="http://schemas.openxmlformats.org/drawingml/2006/main" xmlns:r="http://schemas.openxmlformats.org/officeDocument/2006/relationships" xmlns:p="http://schemas.openxmlformats.org/presentationml/2006/main">
+<p:sld xmlns:a="http://schemas.openxmlformats.org/drawingml/2006/main" xmlns:r="http://schemas.openxmlformats.org/officeDocument/2006/relationships" xmlns:p="http://schemas.openxmlformats.org/presentationml/2006/main" showMasterSp="0">
   <p:cSld>
+    <p:bg>
+      <p:bgPr>
+        <a:gradFill>
+          <a:gsLst>
+            <a:gs pos="50000">
+              <a:schemeClr val="bg1">
+                <a:tint val="80000"/>
+                <a:satMod val="250000"/>
+              </a:schemeClr>
+            </a:gs>
+            <a:gs pos="76000">
+              <a:schemeClr val="bg1">
+                <a:tint val="90000"/>
+                <a:shade val="90000"/>
+                <a:satMod val="200000"/>
+              </a:schemeClr>
+            </a:gs>
+            <a:gs pos="92000">
+              <a:schemeClr val="bg1">
+                <a:tint val="90000"/>
+                <a:shade val="70000"/>
+                <a:satMod val="250000"/>
+              </a:schemeClr>
+            </a:gs>
+          </a:gsLst>
+          <a:path path="circle">
+            <a:fillToRect l="50000" t="50000" r="50000" b="50000"/>
+          </a:path>
+        </a:gradFill>
+        <a:effectLst/>
+      </p:bgPr>
+    </p:bg>
     <p:spTree>
       <p:nvGrpSpPr>
         <p:cNvPr id="1" name=""/>
@@ -3599,7 +3647,7 @@
                         <m:sSubPr>
                           <m:ctrlPr>
                             <a:rPr lang="en-US" i="1" smtClean="0">
-                              <a:latin typeface="Cambria Math"/>
+                              <a:latin typeface="Cambria Math" panose="02040503050406030204" pitchFamily="18" charset="0"/>
                             </a:rPr>
                           </m:ctrlPr>
                         </m:sSubPr>
@@ -3624,7 +3672,7 @@
                         <m:sSubPr>
                           <m:ctrlPr>
                             <a:rPr lang="en-US" i="1" smtClean="0">
-                              <a:latin typeface="Cambria Math"/>
+                              <a:latin typeface="Cambria Math" panose="02040503050406030204" pitchFamily="18" charset="0"/>
                             </a:rPr>
                           </m:ctrlPr>
                         </m:sSubPr>
@@ -3649,7 +3697,7 @@
                         <m:sSubPr>
                           <m:ctrlPr>
                             <a:rPr lang="en-US" i="1" smtClean="0">
-                              <a:latin typeface="Cambria Math"/>
+                              <a:latin typeface="Cambria Math" panose="02040503050406030204" pitchFamily="18" charset="0"/>
                             </a:rPr>
                           </m:ctrlPr>
                         </m:sSubPr>
@@ -3674,7 +3722,7 @@
                         <m:sSubPr>
                           <m:ctrlPr>
                             <a:rPr lang="en-US" i="1" smtClean="0">
-                              <a:latin typeface="Cambria Math"/>
+                              <a:latin typeface="Cambria Math" panose="02040503050406030204" pitchFamily="18" charset="0"/>
                             </a:rPr>
                           </m:ctrlPr>
                         </m:sSubPr>
@@ -3705,7 +3753,7 @@
                         <m:sSubPr>
                           <m:ctrlPr>
                             <a:rPr lang="en-US" i="1" smtClean="0">
-                              <a:latin typeface="Cambria Math"/>
+                              <a:latin typeface="Cambria Math" panose="02040503050406030204" pitchFamily="18" charset="0"/>
                             </a:rPr>
                           </m:ctrlPr>
                         </m:sSubPr>
@@ -3814,7 +3862,7 @@
                         <m:sSubPr>
                           <m:ctrlPr>
                             <a:rPr lang="en-US" i="1" smtClean="0">
-                              <a:latin typeface="Cambria Math"/>
+                              <a:latin typeface="Cambria Math" panose="02040503050406030204" pitchFamily="18" charset="0"/>
                             </a:rPr>
                           </m:ctrlPr>
                         </m:sSubPr>
@@ -3839,7 +3887,7 @@
                         <m:sSubPr>
                           <m:ctrlPr>
                             <a:rPr lang="en-US" i="1" smtClean="0">
-                              <a:latin typeface="Cambria Math"/>
+                              <a:latin typeface="Cambria Math" panose="02040503050406030204" pitchFamily="18" charset="0"/>
                             </a:rPr>
                           </m:ctrlPr>
                         </m:sSubPr>
@@ -3864,7 +3912,7 @@
                         <m:sSubPr>
                           <m:ctrlPr>
                             <a:rPr lang="en-US" i="1" smtClean="0">
-                              <a:latin typeface="Cambria Math"/>
+                              <a:latin typeface="Cambria Math" panose="02040503050406030204" pitchFamily="18" charset="0"/>
                             </a:rPr>
                           </m:ctrlPr>
                         </m:sSubPr>
@@ -3889,7 +3937,7 @@
                         <m:sSubPr>
                           <m:ctrlPr>
                             <a:rPr lang="en-US" i="1" smtClean="0">
-                              <a:latin typeface="Cambria Math"/>
+                              <a:latin typeface="Cambria Math" panose="02040503050406030204" pitchFamily="18" charset="0"/>
                             </a:rPr>
                           </m:ctrlPr>
                         </m:sSubPr>
@@ -3920,7 +3968,7 @@
                         <m:sSubPr>
                           <m:ctrlPr>
                             <a:rPr lang="en-US" i="1" smtClean="0">
-                              <a:latin typeface="Cambria Math"/>
+                              <a:latin typeface="Cambria Math" panose="02040503050406030204" pitchFamily="18" charset="0"/>
                             </a:rPr>
                           </m:ctrlPr>
                         </m:sSubPr>
@@ -7904,7 +7952,7 @@
                       <m:sSubPr>
                         <m:ctrlPr>
                           <a:rPr lang="en-US" sz="1600" i="1" smtClean="0">
-                            <a:latin typeface="Cambria Math"/>
+                            <a:latin typeface="Cambria Math" panose="02040503050406030204" pitchFamily="18" charset="0"/>
                           </a:rPr>
                         </m:ctrlPr>
                       </m:sSubPr>
@@ -8571,7 +8619,7 @@
                         <m:sSubPr>
                           <m:ctrlPr>
                             <a:rPr lang="en-US" sz="1400" b="0" i="1" dirty="0" smtClean="0">
-                              <a:latin typeface="Cambria Math"/>
+                              <a:latin typeface="Cambria Math" panose="02040503050406030204" pitchFamily="18" charset="0"/>
                             </a:rPr>
                           </m:ctrlPr>
                         </m:sSubPr>
@@ -8614,7 +8662,7 @@
                         <m:dPr>
                           <m:ctrlPr>
                             <a:rPr lang="en-US" sz="1400" i="1" dirty="0" smtClean="0">
-                              <a:latin typeface="Cambria Math"/>
+                              <a:latin typeface="Cambria Math" panose="02040503050406030204" pitchFamily="18" charset="0"/>
                             </a:rPr>
                           </m:ctrlPr>
                         </m:dPr>
@@ -8662,7 +8710,7 @@
                         <m:dPr>
                           <m:ctrlPr>
                             <a:rPr lang="en-US" sz="1400" i="1" dirty="0" smtClean="0">
-                              <a:latin typeface="Cambria Math"/>
+                              <a:latin typeface="Cambria Math" panose="02040503050406030204" pitchFamily="18" charset="0"/>
                             </a:rPr>
                           </m:ctrlPr>
                         </m:dPr>
@@ -8752,7 +8800,7 @@
                       <m:sSupPr>
                         <m:ctrlPr>
                           <a:rPr lang="en-US" sz="1400" b="0" i="1" dirty="0" smtClean="0">
-                            <a:latin typeface="Cambria Math"/>
+                            <a:latin typeface="Cambria Math" panose="02040503050406030204" pitchFamily="18" charset="0"/>
                           </a:rPr>
                         </m:ctrlPr>
                       </m:sSupPr>
@@ -8783,7 +8831,7 @@
                       <m:sSubPr>
                         <m:ctrlPr>
                           <a:rPr lang="en-US" sz="1400" b="0" i="1" dirty="0" smtClean="0">
-                            <a:latin typeface="Cambria Math"/>
+                            <a:latin typeface="Cambria Math" panose="02040503050406030204" pitchFamily="18" charset="0"/>
                           </a:rPr>
                         </m:ctrlPr>
                       </m:sSubPr>
@@ -8814,7 +8862,7 @@
                       <m:sSubPr>
                         <m:ctrlPr>
                           <a:rPr lang="en-US" sz="1400" b="0" i="1" dirty="0" smtClean="0">
-                            <a:latin typeface="Cambria Math"/>
+                            <a:latin typeface="Cambria Math" panose="02040503050406030204" pitchFamily="18" charset="0"/>
                           </a:rPr>
                         </m:ctrlPr>
                       </m:sSubPr>
@@ -8845,7 +8893,7 @@
                       <m:sSubPr>
                         <m:ctrlPr>
                           <a:rPr lang="en-US" sz="1400" b="0" i="1" dirty="0" smtClean="0">
-                            <a:latin typeface="Cambria Math"/>
+                            <a:latin typeface="Cambria Math" panose="02040503050406030204" pitchFamily="18" charset="0"/>
                           </a:rPr>
                         </m:ctrlPr>
                       </m:sSubPr>
@@ -8890,7 +8938,7 @@
                       <m:sSubPr>
                         <m:ctrlPr>
                           <a:rPr lang="en-US" sz="1400" i="1" smtClean="0">
-                            <a:latin typeface="Cambria Math"/>
+                            <a:latin typeface="Cambria Math" panose="02040503050406030204" pitchFamily="18" charset="0"/>
                           </a:rPr>
                         </m:ctrlPr>
                       </m:sSubPr>
@@ -8927,7 +8975,7 @@
                       <m:sSubPr>
                         <m:ctrlPr>
                           <a:rPr lang="en-US" sz="1400" b="0" i="1" smtClean="0">
-                            <a:latin typeface="Cambria Math"/>
+                            <a:latin typeface="Cambria Math" panose="02040503050406030204" pitchFamily="18" charset="0"/>
                           </a:rPr>
                         </m:ctrlPr>
                       </m:sSubPr>
@@ -9148,11 +9196,18 @@
   <p:clrMapOvr>
     <a:masterClrMapping/>
   </p:clrMapOvr>
+  <p:timing>
+    <p:tnLst>
+      <p:par>
+        <p:cTn id="1" dur="indefinite" restart="never" nodeType="tmRoot"/>
+      </p:par>
+    </p:tnLst>
+  </p:timing>
 </p:sld>
 </file>
 
 <file path=ppt/slides/slide2.xml><?xml version="1.0" encoding="utf-8"?>
-<p:sld xmlns:a="http://schemas.openxmlformats.org/drawingml/2006/main" xmlns:r="http://schemas.openxmlformats.org/officeDocument/2006/relationships" xmlns:p="http://schemas.openxmlformats.org/presentationml/2006/main">
+<p:sld xmlns:a="http://schemas.openxmlformats.org/drawingml/2006/main" xmlns:r="http://schemas.openxmlformats.org/officeDocument/2006/relationships" xmlns:p="http://schemas.openxmlformats.org/presentationml/2006/main" showMasterSp="0">
   <p:cSld>
     <p:spTree>
       <p:nvGrpSpPr>
@@ -9478,6 +9533,13 @@
   <p:clrMapOvr>
     <a:masterClrMapping/>
   </p:clrMapOvr>
+  <p:timing>
+    <p:tnLst>
+      <p:par>
+        <p:cTn id="1" dur="indefinite" restart="never" nodeType="tmRoot"/>
+      </p:par>
+    </p:tnLst>
+  </p:timing>
 </p:sld>
 </file>
 
